--- a/doc/培训文档/搜索引擎/elasticsearch/elasticsearch技术分享-zhanghc.pptx
+++ b/doc/培训文档/搜索引擎/elasticsearch/elasticsearch技术分享-zhanghc.pptx
@@ -4640,7 +4640,15 @@
             </a:r>
             <a:r>
               <a:rPr lang="zh-CN" altLang="en-US" dirty="0" smtClean="0"/>
-              <a:t>，并且解压缩到本地，本次演讲使用最新当前</a:t>
+              <a:t>，并且解压缩到本地，本次</a:t>
+            </a:r>
+            <a:r>
+              <a:rPr lang="zh-CN" altLang="en-US" smtClean="0"/>
+              <a:t>演讲</a:t>
+            </a:r>
+            <a:r>
+              <a:rPr lang="zh-CN" altLang="en-US" smtClean="0"/>
+              <a:t>使用当前</a:t>
             </a:r>
             <a:r>
               <a:rPr lang="en-US" altLang="zh-CN" dirty="0" smtClean="0"/>
@@ -4815,15 +4823,7 @@
             </a:r>
             <a:r>
               <a:rPr lang="zh-CN" altLang="en-US" dirty="0" smtClean="0"/>
-              <a:t>分词器，且分词器插件的</a:t>
-            </a:r>
-            <a:r>
-              <a:rPr lang="zh-CN" altLang="en-US" dirty="0" smtClean="0"/>
-              <a:t>安装步骤也</a:t>
-            </a:r>
-            <a:r>
-              <a:rPr lang="zh-CN" altLang="en-US" dirty="0" smtClean="0"/>
-              <a:t>不太一致，具体看</a:t>
+              <a:t>分词器，且分词器插件的安装步骤也不太一致，具体看</a:t>
             </a:r>
             <a:r>
               <a:rPr lang="en-US" altLang="zh-CN" dirty="0" err="1" smtClean="0"/>
@@ -9984,15 +9984,7 @@
             </a:r>
             <a:r>
               <a:rPr lang="zh-CN" altLang="en-US" dirty="0" smtClean="0"/>
-              <a:t>。里面罗列</a:t>
-            </a:r>
-            <a:r>
-              <a:rPr lang="zh-CN" altLang="en-US" dirty="0" smtClean="0"/>
-              <a:t>了各类网站</a:t>
-            </a:r>
-            <a:r>
-              <a:rPr lang="zh-CN" altLang="en-US" dirty="0" smtClean="0"/>
-              <a:t>信息的导航。</a:t>
+              <a:t>。里面罗列了各类网站信息的导航。</a:t>
             </a:r>
             <a:endParaRPr lang="en-US" altLang="zh-CN" dirty="0" smtClean="0"/>
           </a:p>
@@ -10007,23 +9999,7 @@
             </a:r>
             <a:r>
               <a:rPr lang="zh-CN" altLang="en-US" dirty="0" smtClean="0"/>
-              <a:t>文本检索，是目前</a:t>
-            </a:r>
-            <a:r>
-              <a:rPr lang="zh-CN" altLang="en-US" dirty="0" smtClean="0"/>
-              <a:t>广泛</a:t>
-            </a:r>
-            <a:r>
-              <a:rPr lang="zh-CN" altLang="en-US" dirty="0" smtClean="0"/>
-              <a:t>使用</a:t>
-            </a:r>
-            <a:r>
-              <a:rPr lang="zh-CN" altLang="en-US" dirty="0" smtClean="0"/>
-              <a:t>的搜索引擎雏形</a:t>
-            </a:r>
-            <a:r>
-              <a:rPr lang="zh-CN" altLang="en-US" dirty="0" smtClean="0"/>
-              <a:t>，通过用户输入，在文本中进行匹配，并将匹配的结果返回给用户。</a:t>
+              <a:t>文本检索，是目前广泛使用的搜索引擎雏形，通过用户输入，在文本中进行匹配，并将匹配的结果返回给用户。</a:t>
             </a:r>
             <a:endParaRPr lang="en-US" altLang="zh-CN" dirty="0" smtClean="0"/>
           </a:p>
@@ -12203,6 +12179,13 @@
   <p:clrMapOvr>
     <a:masterClrMapping/>
   </p:clrMapOvr>
+  <p:timing>
+    <p:tnLst>
+      <p:par>
+        <p:cTn id="1" dur="indefinite" restart="never" nodeType="tmRoot"/>
+      </p:par>
+    </p:tnLst>
+  </p:timing>
 </p:sld>
 </file>
 
@@ -12374,11 +12357,7 @@
             </a:r>
             <a:r>
               <a:rPr lang="zh-CN" altLang="en-US" dirty="0" smtClean="0"/>
-              <a:t>内部解决的，</a:t>
-            </a:r>
-            <a:r>
-              <a:rPr lang="zh-CN" altLang="en-US" dirty="0" smtClean="0"/>
-              <a:t>我们不需要特殊处理。</a:t>
+              <a:t>内部解决的，我们不需要特殊处理。</a:t>
             </a:r>
             <a:endParaRPr lang="en-US" altLang="zh-CN" dirty="0" smtClean="0"/>
           </a:p>
